--- a/Prakash Sachania/Swift I - Programming assignments v2.0.pptx
+++ b/Prakash Sachania/Swift I - Programming assignments v2.0.pptx
@@ -214,7 +214,7 @@
           <a:p>
             <a:fld id="{5382DE36-6EC9-A142-AABA-BE3055747749}" type="datetimeFigureOut">
               <a:rPr lang="en-US" smtClean="0"/>
-              <a:t>10/7/17</a:t>
+              <a:t>10/9/17</a:t>
             </a:fld>
             <a:endParaRPr lang="en-US"/>
           </a:p>
@@ -726,7 +726,7 @@
           <a:p>
             <a:fld id="{6E5D25F0-5CDC-804C-82A3-C632A219FC07}" type="datetimeFigureOut">
               <a:rPr lang="en-US" smtClean="0"/>
-              <a:t>10/7/17</a:t>
+              <a:t>10/9/17</a:t>
             </a:fld>
             <a:endParaRPr lang="en-US"/>
           </a:p>
@@ -930,7 +930,7 @@
           <a:p>
             <a:fld id="{6E5D25F0-5CDC-804C-82A3-C632A219FC07}" type="datetimeFigureOut">
               <a:rPr lang="en-US" smtClean="0"/>
-              <a:t>10/7/17</a:t>
+              <a:t>10/9/17</a:t>
             </a:fld>
             <a:endParaRPr lang="en-US"/>
           </a:p>
@@ -1305,7 +1305,7 @@
           <a:p>
             <a:fld id="{6E5D25F0-5CDC-804C-82A3-C632A219FC07}" type="datetimeFigureOut">
               <a:rPr lang="en-US" smtClean="0"/>
-              <a:t>10/7/17</a:t>
+              <a:t>10/9/17</a:t>
             </a:fld>
             <a:endParaRPr lang="en-US"/>
           </a:p>
@@ -1561,7 +1561,7 @@
           <a:p>
             <a:fld id="{6E5D25F0-5CDC-804C-82A3-C632A219FC07}" type="datetimeFigureOut">
               <a:rPr lang="en-US" smtClean="0"/>
-              <a:t>10/7/17</a:t>
+              <a:t>10/9/17</a:t>
             </a:fld>
             <a:endParaRPr lang="en-US"/>
           </a:p>
@@ -1952,7 +1952,7 @@
           <a:p>
             <a:fld id="{6E5D25F0-5CDC-804C-82A3-C632A219FC07}" type="datetimeFigureOut">
               <a:rPr lang="en-US" smtClean="0"/>
-              <a:t>10/7/17</a:t>
+              <a:t>10/9/17</a:t>
             </a:fld>
             <a:endParaRPr lang="en-US"/>
           </a:p>
@@ -2094,7 +2094,7 @@
           <a:p>
             <a:fld id="{6E5D25F0-5CDC-804C-82A3-C632A219FC07}" type="datetimeFigureOut">
               <a:rPr lang="en-US" smtClean="0"/>
-              <a:t>10/7/17</a:t>
+              <a:t>10/9/17</a:t>
             </a:fld>
             <a:endParaRPr lang="en-US"/>
           </a:p>
@@ -2213,7 +2213,7 @@
           <a:p>
             <a:fld id="{6E5D25F0-5CDC-804C-82A3-C632A219FC07}" type="datetimeFigureOut">
               <a:rPr lang="en-US" smtClean="0"/>
-              <a:t>10/7/17</a:t>
+              <a:t>10/9/17</a:t>
             </a:fld>
             <a:endParaRPr lang="en-US"/>
           </a:p>
@@ -2514,7 +2514,7 @@
           <a:p>
             <a:fld id="{6E5D25F0-5CDC-804C-82A3-C632A219FC07}" type="datetimeFigureOut">
               <a:rPr lang="en-US" smtClean="0"/>
-              <a:t>10/7/17</a:t>
+              <a:t>10/9/17</a:t>
             </a:fld>
             <a:endParaRPr lang="en-US"/>
           </a:p>
@@ -2791,7 +2791,7 @@
           <a:p>
             <a:fld id="{6E5D25F0-5CDC-804C-82A3-C632A219FC07}" type="datetimeFigureOut">
               <a:rPr lang="en-US" smtClean="0"/>
-              <a:t>10/7/17</a:t>
+              <a:t>10/9/17</a:t>
             </a:fld>
             <a:endParaRPr lang="en-US"/>
           </a:p>
@@ -35475,7 +35475,7 @@
         <p:spPr>
           <a:xfrm>
             <a:off x="5849257" y="2194341"/>
-            <a:ext cx="5877562" cy="646331"/>
+            <a:ext cx="5877562" cy="923330"/>
           </a:xfrm>
           <a:prstGeom prst="rect">
             <a:avLst/>
@@ -35511,7 +35511,7 @@
             </a:r>
             <a:r>
               <a:rPr lang="en-US" dirty="0" smtClean="0"/>
-              <a:t>buttons</a:t>
+              <a:t>buttons (title, background, border)</a:t>
             </a:r>
             <a:endParaRPr lang="en-US" dirty="0"/>
           </a:p>
@@ -35525,7 +35525,7 @@
         </p:nvSpPr>
         <p:spPr>
           <a:xfrm>
-            <a:off x="5849257" y="3320761"/>
+            <a:off x="5849257" y="3428341"/>
             <a:ext cx="5877562" cy="1200329"/>
           </a:xfrm>
           <a:prstGeom prst="rect">
@@ -35563,7 +35563,7 @@
         </p:nvSpPr>
         <p:spPr>
           <a:xfrm>
-            <a:off x="5849257" y="5001179"/>
+            <a:off x="5849257" y="5108759"/>
             <a:ext cx="5877562" cy="369332"/>
           </a:xfrm>
           <a:prstGeom prst="rect">
@@ -36776,7 +36776,7 @@
         <p:spPr>
           <a:xfrm>
             <a:off x="5680038" y="1298823"/>
-            <a:ext cx="3836307" cy="369332"/>
+            <a:ext cx="6078070" cy="646331"/>
           </a:xfrm>
           <a:prstGeom prst="rect">
             <a:avLst/>
@@ -36784,14 +36784,18 @@
           <a:noFill/>
         </p:spPr>
         <p:txBody>
-          <a:bodyPr wrap="none" rtlCol="0">
+          <a:bodyPr wrap="square" rtlCol="0">
             <a:spAutoFit/>
           </a:bodyPr>
           <a:lstStyle/>
           <a:p>
             <a:r>
               <a:rPr lang="en-US" dirty="0" smtClean="0"/>
-              <a:t>We will be using Touch Up Inside event</a:t>
+              <a:t>We will be using Touch Up Inside </a:t>
+            </a:r>
+            <a:r>
+              <a:rPr lang="en-US" dirty="0" smtClean="0"/>
+              <a:t>event. Map all buttons to the same action method</a:t>
             </a:r>
             <a:endParaRPr lang="en-US" dirty="0"/>
           </a:p>
@@ -36813,7 +36817,7 @@
         </p:blipFill>
         <p:spPr>
           <a:xfrm>
-            <a:off x="6203576" y="1755573"/>
+            <a:off x="6203576" y="2056790"/>
             <a:ext cx="3670300" cy="2197100"/>
           </a:xfrm>
           <a:prstGeom prst="rect">
@@ -36829,7 +36833,7 @@
         </p:nvSpPr>
         <p:spPr>
           <a:xfrm>
-            <a:off x="5938221" y="4281544"/>
+            <a:off x="5938221" y="4582761"/>
             <a:ext cx="4833374" cy="830997"/>
           </a:xfrm>
           <a:prstGeom prst="rect">
@@ -36986,13 +36990,13 @@
         </p:nvSpPr>
         <p:spPr>
           <a:xfrm>
-            <a:off x="671259" y="1791888"/>
-            <a:ext cx="4341670" cy="1877412"/>
+            <a:off x="1118548" y="5373435"/>
+            <a:ext cx="4341670" cy="1454972"/>
           </a:xfrm>
           <a:prstGeom prst="wedgeRoundRectCallout">
             <a:avLst>
-              <a:gd name="adj1" fmla="val 82367"/>
-              <a:gd name="adj2" fmla="val 103634"/>
+              <a:gd name="adj1" fmla="val 70970"/>
+              <a:gd name="adj2" fmla="val -76178"/>
               <a:gd name="adj3" fmla="val 16667"/>
             </a:avLst>
           </a:prstGeom>
@@ -37019,22 +37023,22 @@
           <a:p>
             <a:pPr algn="ctr"/>
             <a:r>
-              <a:rPr lang="en-US" sz="2800" dirty="0"/>
+              <a:rPr lang="en-US" sz="2400" dirty="0"/>
               <a:t>Question is how do you know which button is </a:t>
             </a:r>
             <a:r>
-              <a:rPr lang="en-US" sz="2800" dirty="0" smtClean="0"/>
+              <a:rPr lang="en-US" sz="2400" dirty="0" smtClean="0"/>
               <a:t>touched inside the code </a:t>
             </a:r>
             <a:r>
-              <a:rPr lang="en-US" sz="2800" dirty="0"/>
+              <a:rPr lang="en-US" sz="2400" dirty="0"/>
               <a:t>block</a:t>
             </a:r>
             <a:r>
-              <a:rPr lang="en-US" sz="2800" dirty="0" smtClean="0"/>
+              <a:rPr lang="en-US" sz="2400" dirty="0" smtClean="0"/>
               <a:t>?</a:t>
             </a:r>
-            <a:endParaRPr lang="en-US" sz="2800" dirty="0"/>
+            <a:endParaRPr lang="en-US" sz="2400" dirty="0"/>
           </a:p>
         </p:txBody>
       </p:sp>
